--- a/docs/assets/images/05-linear/1-powerlines.pptx
+++ b/docs/assets/images/05-linear/1-powerlines.pptx
@@ -243,7 +243,7 @@
           <a:p>
             <a:fld id="{26DAD59D-C038-594D-9D7F-299816EC42DE}" type="datetimeFigureOut">
               <a:rPr lang="en-GB" smtClean="0"/>
-              <a:t>15/07/2024</a:t>
+              <a:t>04/08/2024</a:t>
             </a:fld>
             <a:endParaRPr lang="en-GB"/>
           </a:p>
@@ -413,7 +413,7 @@
           <a:p>
             <a:fld id="{26DAD59D-C038-594D-9D7F-299816EC42DE}" type="datetimeFigureOut">
               <a:rPr lang="en-GB" smtClean="0"/>
-              <a:t>15/07/2024</a:t>
+              <a:t>04/08/2024</a:t>
             </a:fld>
             <a:endParaRPr lang="en-GB"/>
           </a:p>
@@ -593,7 +593,7 @@
           <a:p>
             <a:fld id="{26DAD59D-C038-594D-9D7F-299816EC42DE}" type="datetimeFigureOut">
               <a:rPr lang="en-GB" smtClean="0"/>
-              <a:t>15/07/2024</a:t>
+              <a:t>04/08/2024</a:t>
             </a:fld>
             <a:endParaRPr lang="en-GB"/>
           </a:p>
@@ -763,7 +763,7 @@
           <a:p>
             <a:fld id="{26DAD59D-C038-594D-9D7F-299816EC42DE}" type="datetimeFigureOut">
               <a:rPr lang="en-GB" smtClean="0"/>
-              <a:t>15/07/2024</a:t>
+              <a:t>04/08/2024</a:t>
             </a:fld>
             <a:endParaRPr lang="en-GB"/>
           </a:p>
@@ -1007,7 +1007,7 @@
           <a:p>
             <a:fld id="{26DAD59D-C038-594D-9D7F-299816EC42DE}" type="datetimeFigureOut">
               <a:rPr lang="en-GB" smtClean="0"/>
-              <a:t>15/07/2024</a:t>
+              <a:t>04/08/2024</a:t>
             </a:fld>
             <a:endParaRPr lang="en-GB"/>
           </a:p>
@@ -1239,7 +1239,7 @@
           <a:p>
             <a:fld id="{26DAD59D-C038-594D-9D7F-299816EC42DE}" type="datetimeFigureOut">
               <a:rPr lang="en-GB" smtClean="0"/>
-              <a:t>15/07/2024</a:t>
+              <a:t>04/08/2024</a:t>
             </a:fld>
             <a:endParaRPr lang="en-GB"/>
           </a:p>
@@ -1606,7 +1606,7 @@
           <a:p>
             <a:fld id="{26DAD59D-C038-594D-9D7F-299816EC42DE}" type="datetimeFigureOut">
               <a:rPr lang="en-GB" smtClean="0"/>
-              <a:t>15/07/2024</a:t>
+              <a:t>04/08/2024</a:t>
             </a:fld>
             <a:endParaRPr lang="en-GB"/>
           </a:p>
@@ -1724,7 +1724,7 @@
           <a:p>
             <a:fld id="{26DAD59D-C038-594D-9D7F-299816EC42DE}" type="datetimeFigureOut">
               <a:rPr lang="en-GB" smtClean="0"/>
-              <a:t>15/07/2024</a:t>
+              <a:t>04/08/2024</a:t>
             </a:fld>
             <a:endParaRPr lang="en-GB"/>
           </a:p>
@@ -1819,7 +1819,7 @@
           <a:p>
             <a:fld id="{26DAD59D-C038-594D-9D7F-299816EC42DE}" type="datetimeFigureOut">
               <a:rPr lang="en-GB" smtClean="0"/>
-              <a:t>15/07/2024</a:t>
+              <a:t>04/08/2024</a:t>
             </a:fld>
             <a:endParaRPr lang="en-GB"/>
           </a:p>
@@ -2096,7 +2096,7 @@
           <a:p>
             <a:fld id="{26DAD59D-C038-594D-9D7F-299816EC42DE}" type="datetimeFigureOut">
               <a:rPr lang="en-GB" smtClean="0"/>
-              <a:t>15/07/2024</a:t>
+              <a:t>04/08/2024</a:t>
             </a:fld>
             <a:endParaRPr lang="en-GB"/>
           </a:p>
@@ -2353,7 +2353,7 @@
           <a:p>
             <a:fld id="{26DAD59D-C038-594D-9D7F-299816EC42DE}" type="datetimeFigureOut">
               <a:rPr lang="en-GB" smtClean="0"/>
-              <a:t>15/07/2024</a:t>
+              <a:t>04/08/2024</a:t>
             </a:fld>
             <a:endParaRPr lang="en-GB"/>
           </a:p>
@@ -2566,7 +2566,7 @@
           <a:p>
             <a:fld id="{26DAD59D-C038-594D-9D7F-299816EC42DE}" type="datetimeFigureOut">
               <a:rPr lang="en-GB" smtClean="0"/>
-              <a:t>15/07/2024</a:t>
+              <a:t>04/08/2024</a:t>
             </a:fld>
             <a:endParaRPr lang="en-GB"/>
           </a:p>
@@ -2971,6 +2971,49 @@
           <a:chExt cx="0" cy="0"/>
         </a:xfrm>
       </p:grpSpPr>
+      <p:cxnSp>
+        <p:nvCxnSpPr>
+          <p:cNvPr id="2" name="Straight Connector 1">
+            <a:extLst>
+              <a:ext uri="{FF2B5EF4-FFF2-40B4-BE49-F238E27FC236}">
+                <a16:creationId xmlns:a16="http://schemas.microsoft.com/office/drawing/2014/main" id="{D08AC107-3A31-9045-BF47-89CF41C21520}"/>
+              </a:ext>
+            </a:extLst>
+          </p:cNvPr>
+          <p:cNvCxnSpPr>
+            <a:cxnSpLocks/>
+          </p:cNvCxnSpPr>
+          <p:nvPr/>
+        </p:nvCxnSpPr>
+        <p:spPr>
+          <a:xfrm>
+            <a:off x="4320000" y="720000"/>
+            <a:ext cx="0" cy="2817611"/>
+          </a:xfrm>
+          <a:prstGeom prst="line">
+            <a:avLst/>
+          </a:prstGeom>
+          <a:ln w="101600" cap="rnd">
+            <a:solidFill>
+              <a:srgbClr val="AB7942"/>
+            </a:solidFill>
+          </a:ln>
+        </p:spPr>
+        <p:style>
+          <a:lnRef idx="1">
+            <a:schemeClr val="accent1"/>
+          </a:lnRef>
+          <a:fillRef idx="0">
+            <a:schemeClr val="accent1"/>
+          </a:fillRef>
+          <a:effectRef idx="0">
+            <a:schemeClr val="accent1"/>
+          </a:effectRef>
+          <a:fontRef idx="minor">
+            <a:schemeClr val="tx1"/>
+          </a:fontRef>
+        </p:style>
+      </p:cxnSp>
       <mc:AlternateContent xmlns:mc="http://schemas.openxmlformats.org/markup-compatibility/2006">
         <mc:Choice xmlns:pslz="http://schemas.microsoft.com/office/powerpoint/2016/slidezoom" Requires="pslz">
           <p:graphicFrame>
@@ -2988,7 +3031,7 @@
               <p:nvPr>
                 <p:extLst>
                   <p:ext uri="{D42A27DB-BD31-4B8C-83A1-F6EECF244321}">
-                    <p14:modId xmlns:p14="http://schemas.microsoft.com/office/powerpoint/2010/main" val="2946955149"/>
+                    <p14:modId xmlns:p14="http://schemas.microsoft.com/office/powerpoint/2010/main" val="1487563438"/>
                   </p:ext>
                 </p:extLst>
               </p:nvPr>
@@ -3085,7 +3128,7 @@
               <p:nvPr>
                 <p:extLst>
                   <p:ext uri="{D42A27DB-BD31-4B8C-83A1-F6EECF244321}">
-                    <p14:modId xmlns:p14="http://schemas.microsoft.com/office/powerpoint/2010/main" val="1778075413"/>
+                    <p14:modId xmlns:p14="http://schemas.microsoft.com/office/powerpoint/2010/main" val="1431838810"/>
                   </p:ext>
                 </p:extLst>
               </p:nvPr>
@@ -3224,15 +3267,15 @@
         </p:nvCxnSpPr>
         <p:spPr>
           <a:xfrm flipH="1">
-            <a:off x="4340225" y="5353050"/>
-            <a:ext cx="2139950" cy="1168400"/>
+            <a:off x="4321175" y="5353050"/>
+            <a:ext cx="2159000" cy="1178801"/>
           </a:xfrm>
           <a:prstGeom prst="line">
             <a:avLst/>
           </a:prstGeom>
           <a:ln cap="rnd">
             <a:solidFill>
-              <a:schemeClr val="tx1"/>
+              <a:srgbClr val="00B050"/>
             </a:solidFill>
           </a:ln>
         </p:spPr>
@@ -3311,55 +3354,14 @@
         <p:spPr>
           <a:xfrm>
             <a:off x="2159000" y="5353050"/>
-            <a:ext cx="2139950" cy="1168400"/>
+            <a:ext cx="2162175" cy="1180535"/>
           </a:xfrm>
           <a:prstGeom prst="line">
             <a:avLst/>
           </a:prstGeom>
           <a:ln cap="rnd">
             <a:solidFill>
-              <a:schemeClr val="tx1"/>
-            </a:solidFill>
-          </a:ln>
-        </p:spPr>
-        <p:style>
-          <a:lnRef idx="1">
-            <a:schemeClr val="accent1"/>
-          </a:lnRef>
-          <a:fillRef idx="0">
-            <a:schemeClr val="accent1"/>
-          </a:fillRef>
-          <a:effectRef idx="0">
-            <a:schemeClr val="accent1"/>
-          </a:effectRef>
-          <a:fontRef idx="minor">
-            <a:schemeClr val="tx1"/>
-          </a:fontRef>
-        </p:style>
-      </p:cxnSp>
-      <p:cxnSp>
-        <p:nvCxnSpPr>
-          <p:cNvPr id="2" name="Straight Connector 1">
-            <a:extLst>
-              <a:ext uri="{FF2B5EF4-FFF2-40B4-BE49-F238E27FC236}">
-                <a16:creationId xmlns:a16="http://schemas.microsoft.com/office/drawing/2014/main" id="{D08AC107-3A31-9045-BF47-89CF41C21520}"/>
-              </a:ext>
-            </a:extLst>
-          </p:cNvPr>
-          <p:cNvCxnSpPr/>
-          <p:nvPr/>
-        </p:nvCxnSpPr>
-        <p:spPr>
-          <a:xfrm>
-            <a:off x="4320000" y="720000"/>
-            <a:ext cx="0" cy="5760000"/>
-          </a:xfrm>
-          <a:prstGeom prst="line">
-            <a:avLst/>
-          </a:prstGeom>
-          <a:ln w="101600" cap="rnd">
-            <a:solidFill>
-              <a:schemeClr val="tx1"/>
+              <a:srgbClr val="0432FF"/>
             </a:solidFill>
           </a:ln>
         </p:spPr>
